--- a/Neural Style Transfer using PyTorch.pptx
+++ b/Neural Style Transfer using PyTorch.pptx
@@ -312,7 +312,7 @@
           <a:p>
             <a:fld id="{5BCAD085-E8A6-8845-BD4E-CB4CCA059FC4}" type="datetimeFigureOut">
               <a:rPr lang="en-US" smtClean="0"/>
-              <a:t>10/10/2025</a:t>
+              <a:t>11/23/2025</a:t>
             </a:fld>
             <a:endParaRPr lang="en-US"/>
           </a:p>
@@ -480,7 +480,7 @@
           <a:p>
             <a:fld id="{5BCAD085-E8A6-8845-BD4E-CB4CCA059FC4}" type="datetimeFigureOut">
               <a:rPr lang="en-US" smtClean="0"/>
-              <a:t>10/10/2025</a:t>
+              <a:t>11/23/2025</a:t>
             </a:fld>
             <a:endParaRPr lang="en-US"/>
           </a:p>
@@ -658,7 +658,7 @@
           <a:p>
             <a:fld id="{5BCAD085-E8A6-8845-BD4E-CB4CCA059FC4}" type="datetimeFigureOut">
               <a:rPr lang="en-US" smtClean="0"/>
-              <a:t>10/10/2025</a:t>
+              <a:t>11/23/2025</a:t>
             </a:fld>
             <a:endParaRPr lang="en-US"/>
           </a:p>
@@ -826,7 +826,7 @@
           <a:p>
             <a:fld id="{5BCAD085-E8A6-8845-BD4E-CB4CCA059FC4}" type="datetimeFigureOut">
               <a:rPr lang="en-US" smtClean="0"/>
-              <a:t>10/10/2025</a:t>
+              <a:t>11/23/2025</a:t>
             </a:fld>
             <a:endParaRPr lang="en-US"/>
           </a:p>
@@ -1071,7 +1071,7 @@
           <a:p>
             <a:fld id="{5BCAD085-E8A6-8845-BD4E-CB4CCA059FC4}" type="datetimeFigureOut">
               <a:rPr lang="en-US" smtClean="0"/>
-              <a:t>10/10/2025</a:t>
+              <a:t>11/23/2025</a:t>
             </a:fld>
             <a:endParaRPr lang="en-US"/>
           </a:p>
@@ -1356,7 +1356,7 @@
           <a:p>
             <a:fld id="{5BCAD085-E8A6-8845-BD4E-CB4CCA059FC4}" type="datetimeFigureOut">
               <a:rPr lang="en-US" smtClean="0"/>
-              <a:t>10/10/2025</a:t>
+              <a:t>11/23/2025</a:t>
             </a:fld>
             <a:endParaRPr lang="en-US"/>
           </a:p>
@@ -1775,7 +1775,7 @@
           <a:p>
             <a:fld id="{5BCAD085-E8A6-8845-BD4E-CB4CCA059FC4}" type="datetimeFigureOut">
               <a:rPr lang="en-US" smtClean="0"/>
-              <a:t>10/10/2025</a:t>
+              <a:t>11/23/2025</a:t>
             </a:fld>
             <a:endParaRPr lang="en-US"/>
           </a:p>
@@ -1892,7 +1892,7 @@
           <a:p>
             <a:fld id="{5BCAD085-E8A6-8845-BD4E-CB4CCA059FC4}" type="datetimeFigureOut">
               <a:rPr lang="en-US" smtClean="0"/>
-              <a:t>10/10/2025</a:t>
+              <a:t>11/23/2025</a:t>
             </a:fld>
             <a:endParaRPr lang="en-US"/>
           </a:p>
@@ -1987,7 +1987,7 @@
           <a:p>
             <a:fld id="{5BCAD085-E8A6-8845-BD4E-CB4CCA059FC4}" type="datetimeFigureOut">
               <a:rPr lang="en-US" smtClean="0"/>
-              <a:t>10/10/2025</a:t>
+              <a:t>11/23/2025</a:t>
             </a:fld>
             <a:endParaRPr lang="en-US"/>
           </a:p>
@@ -2262,7 +2262,7 @@
           <a:p>
             <a:fld id="{5BCAD085-E8A6-8845-BD4E-CB4CCA059FC4}" type="datetimeFigureOut">
               <a:rPr lang="en-US" smtClean="0"/>
-              <a:t>10/10/2025</a:t>
+              <a:t>11/23/2025</a:t>
             </a:fld>
             <a:endParaRPr lang="en-US"/>
           </a:p>
@@ -2514,7 +2514,7 @@
           <a:p>
             <a:fld id="{5BCAD085-E8A6-8845-BD4E-CB4CCA059FC4}" type="datetimeFigureOut">
               <a:rPr lang="en-US" smtClean="0"/>
-              <a:t>10/10/2025</a:t>
+              <a:t>11/23/2025</a:t>
             </a:fld>
             <a:endParaRPr lang="en-US"/>
           </a:p>
@@ -2725,7 +2725,7 @@
           <a:p>
             <a:fld id="{5BCAD085-E8A6-8845-BD4E-CB4CCA059FC4}" type="datetimeFigureOut">
               <a:rPr lang="en-US" smtClean="0"/>
-              <a:t>10/10/2025</a:t>
+              <a:t>11/23/2025</a:t>
             </a:fld>
             <a:endParaRPr lang="en-US"/>
           </a:p>
@@ -3910,10 +3910,10 @@
       </p:sp>
       <p:pic>
         <p:nvPicPr>
-          <p:cNvPr id="5" name="Picture 4">
+          <p:cNvPr id="6" name="Picture 5">
             <a:extLst>
               <a:ext uri="{FF2B5EF4-FFF2-40B4-BE49-F238E27FC236}">
-                <a16:creationId xmlns:a16="http://schemas.microsoft.com/office/drawing/2014/main" id="{A60CE4E2-E444-9BA8-B37E-72F24060ACC3}"/>
+                <a16:creationId xmlns:a16="http://schemas.microsoft.com/office/drawing/2014/main" id="{A2A2A836-501F-F286-0894-C42274867098}"/>
               </a:ext>
             </a:extLst>
           </p:cNvPr>
@@ -3930,8 +3930,8 @@
         </p:blipFill>
         <p:spPr>
           <a:xfrm>
-            <a:off x="685800" y="4925962"/>
-            <a:ext cx="7772400" cy="513296"/>
+            <a:off x="911532" y="4960935"/>
+            <a:ext cx="3541596" cy="955233"/>
           </a:xfrm>
           <a:prstGeom prst="rect">
             <a:avLst/>
@@ -6396,10 +6396,10 @@
       </p:sp>
       <p:pic>
         <p:nvPicPr>
-          <p:cNvPr id="6" name="Picture 5">
+          <p:cNvPr id="4" name="Picture 3">
             <a:extLst>
               <a:ext uri="{FF2B5EF4-FFF2-40B4-BE49-F238E27FC236}">
-                <a16:creationId xmlns:a16="http://schemas.microsoft.com/office/drawing/2014/main" id="{EC960DFF-D280-708F-05F6-6C059816EC9E}"/>
+                <a16:creationId xmlns:a16="http://schemas.microsoft.com/office/drawing/2014/main" id="{B0D235D4-122B-5649-4614-5247DFA7433E}"/>
               </a:ext>
             </a:extLst>
           </p:cNvPr>
@@ -6416,8 +6416,8 @@
         </p:blipFill>
         <p:spPr>
           <a:xfrm>
-            <a:off x="3313472" y="4413530"/>
-            <a:ext cx="5373328" cy="2296985"/>
+            <a:off x="4256151" y="4205287"/>
+            <a:ext cx="4362450" cy="2105025"/>
           </a:xfrm>
           <a:prstGeom prst="rect">
             <a:avLst/>
